--- a/graphs_algorithms_assignment/daa_2.pptx
+++ b/graphs_algorithms_assignment/daa_2.pptx
@@ -10003,7 +10003,7 @@
                   </a:schemeClr>
                 </a:solidFill>
               </a:rPr>
-              <a:t>1. DEPTH FIRST SEARCH (DFS) </a:t>
+              <a:t>2. DEPTH FIRST SEARCH (DFS) </a:t>
             </a:r>
           </a:p>
         </p:txBody>
